--- a/Files/Prubezna_zprava_4IZ460.pptx
+++ b/Files/Prubezna_zprava_4IZ460.pptx
@@ -17,8 +17,6 @@
     <p:sldId id="268" r:id="rId11"/>
     <p:sldId id="269" r:id="rId12"/>
     <p:sldId id="260" r:id="rId13"/>
-    <p:sldId id="261" r:id="rId14"/>
-    <p:sldId id="262" r:id="rId15"/>
   </p:sldIdLst>
   <p:sldSz cx="9144000" cy="6858000" type="screen4x3"/>
   <p:notesSz cx="6858000" cy="9144000"/>
@@ -3136,12 +3134,52 @@
         </p:nvSpPr>
         <p:spPr/>
         <p:txBody>
-          <a:bodyPr/>
-          <a:lstStyle/>
-          <a:p>
-            <a:r>
-              <a:t>Průběžná zpráva – předmět 4IZ460</a:t>
-            </a:r>
+          <a:bodyPr>
+            <a:normAutofit fontScale="85000" lnSpcReduction="20000"/>
+          </a:bodyPr>
+          <a:lstStyle/>
+          <a:p>
+            <a:r>
+              <a:rPr dirty="0" err="1"/>
+              <a:t>Průběžná</a:t>
+            </a:r>
+            <a:r>
+              <a:rPr dirty="0"/>
+              <a:t> </a:t>
+            </a:r>
+            <a:r>
+              <a:rPr dirty="0" err="1"/>
+              <a:t>zpráva</a:t>
+            </a:r>
+            <a:r>
+              <a:rPr dirty="0"/>
+              <a:t> – </a:t>
+            </a:r>
+            <a:r>
+              <a:rPr dirty="0" err="1"/>
+              <a:t>předmět</a:t>
+            </a:r>
+            <a:r>
+              <a:rPr dirty="0"/>
+              <a:t> 4IZ460</a:t>
+            </a:r>
+            <a:endParaRPr lang="cs-CZ" dirty="0"/>
+          </a:p>
+          <a:p>
+            <a:endParaRPr lang="cs-CZ" dirty="0"/>
+          </a:p>
+          <a:p>
+            <a:r>
+              <a:rPr lang="cs-CZ" dirty="0"/>
+              <a:t>Autoři</a:t>
+            </a:r>
+          </a:p>
+          <a:p>
+            <a:r>
+              <a:rPr lang="cs-CZ" sz="2800" dirty="0"/>
+              <a:t>Tomáš Beneda, Petra Březinová, Jakub Vojta</a:t>
+            </a:r>
+            <a:endParaRPr sz="2800" dirty="0"/>
           </a:p>
         </p:txBody>
       </p:sp>
@@ -3600,8 +3638,14 @@
           <a:lstStyle/>
           <a:p>
             <a:r>
-              <a:t>Rámcové analytické otázky</a:t>
-            </a:r>
+              <a:rPr lang="cs-CZ" dirty="0"/>
+              <a:t>O</a:t>
+            </a:r>
+            <a:r>
+              <a:rPr dirty="0" err="1"/>
+              <a:t>tázky</a:t>
+            </a:r>
+            <a:endParaRPr dirty="0"/>
           </a:p>
         </p:txBody>
       </p:sp>
@@ -3618,7 +3662,7 @@
         <p:spPr/>
         <p:txBody>
           <a:bodyPr>
-            <a:normAutofit fontScale="85000" lnSpcReduction="20000"/>
+            <a:normAutofit fontScale="77500" lnSpcReduction="20000"/>
           </a:bodyPr>
           <a:lstStyle/>
           <a:p>
@@ -3627,52 +3671,8 @@
               <a:buAutoNum type="arabicPeriod"/>
             </a:pPr>
             <a:r>
-              <a:rPr dirty="0" err="1"/>
-              <a:t>Má</a:t>
-            </a:r>
-            <a:r>
-              <a:rPr dirty="0"/>
-              <a:t> </a:t>
-            </a:r>
-            <a:r>
-              <a:rPr dirty="0" err="1"/>
-              <a:t>teplota</a:t>
-            </a:r>
-            <a:r>
-              <a:rPr dirty="0"/>
-              <a:t> </a:t>
-            </a:r>
-            <a:r>
-              <a:rPr dirty="0" err="1"/>
-              <a:t>vliv</a:t>
-            </a:r>
-            <a:r>
-              <a:rPr dirty="0"/>
-              <a:t> </a:t>
-            </a:r>
-            <a:r>
-              <a:rPr dirty="0" err="1"/>
-              <a:t>na</a:t>
-            </a:r>
-            <a:r>
-              <a:rPr dirty="0"/>
-              <a:t> </a:t>
-            </a:r>
-            <a:r>
-              <a:rPr dirty="0" err="1"/>
-              <a:t>výskyt</a:t>
-            </a:r>
-            <a:r>
-              <a:rPr dirty="0"/>
-              <a:t> </a:t>
-            </a:r>
-            <a:r>
-              <a:rPr dirty="0" err="1"/>
-              <a:t>střelby</a:t>
-            </a:r>
-            <a:r>
-              <a:rPr dirty="0"/>
-              <a:t>?</a:t>
+              <a:rPr lang="cs-CZ" dirty="0"/>
+              <a:t>Má vyšší teplota vliv na výskyt střelby?</a:t>
             </a:r>
           </a:p>
           <a:p>
@@ -3681,36 +3681,8 @@
               <a:buAutoNum type="arabicPeriod"/>
             </a:pPr>
             <a:r>
-              <a:rPr dirty="0" err="1"/>
-              <a:t>Zvyšuje</a:t>
-            </a:r>
-            <a:r>
-              <a:rPr dirty="0"/>
-              <a:t> </a:t>
-            </a:r>
-            <a:r>
-              <a:rPr dirty="0" err="1"/>
-              <a:t>déšť</a:t>
-            </a:r>
-            <a:r>
-              <a:rPr dirty="0"/>
-              <a:t> </a:t>
-            </a:r>
-            <a:r>
-              <a:rPr dirty="0" err="1"/>
-              <a:t>riziko</a:t>
-            </a:r>
-            <a:r>
-              <a:rPr dirty="0"/>
-              <a:t> </a:t>
-            </a:r>
-            <a:r>
-              <a:rPr dirty="0" err="1"/>
-              <a:t>zločinu</a:t>
-            </a:r>
-            <a:r>
-              <a:rPr dirty="0"/>
-              <a:t>?</a:t>
+              <a:rPr lang="cs-CZ" dirty="0"/>
+              <a:t>Zvyšují deštivé dny pravděpodobnost krádeží v dopravě?</a:t>
             </a:r>
           </a:p>
           <a:p>
@@ -3719,60 +3691,8 @@
               <a:buAutoNum type="arabicPeriod"/>
             </a:pPr>
             <a:r>
-              <a:rPr dirty="0" err="1"/>
-              <a:t>Jaké</a:t>
-            </a:r>
-            <a:r>
-              <a:rPr dirty="0"/>
-              <a:t> </a:t>
-            </a:r>
-            <a:r>
-              <a:rPr dirty="0" err="1"/>
-              <a:t>typy</a:t>
-            </a:r>
-            <a:r>
-              <a:rPr dirty="0"/>
-              <a:t> </a:t>
-            </a:r>
-            <a:r>
-              <a:rPr dirty="0" err="1"/>
-              <a:t>trestné</a:t>
-            </a:r>
-            <a:r>
-              <a:rPr dirty="0"/>
-              <a:t> </a:t>
-            </a:r>
-            <a:r>
-              <a:rPr dirty="0" err="1"/>
-              <a:t>činnosti</a:t>
-            </a:r>
-            <a:r>
-              <a:rPr dirty="0"/>
-              <a:t> se </a:t>
-            </a:r>
-            <a:r>
-              <a:rPr dirty="0" err="1"/>
-              <a:t>pojí</a:t>
-            </a:r>
-            <a:r>
-              <a:rPr dirty="0"/>
-              <a:t> s </a:t>
-            </a:r>
-            <a:r>
-              <a:rPr dirty="0" err="1"/>
-              <a:t>nízkým</a:t>
-            </a:r>
-            <a:r>
-              <a:rPr dirty="0"/>
-              <a:t> </a:t>
-            </a:r>
-            <a:r>
-              <a:rPr dirty="0" err="1"/>
-              <a:t>tlakem</a:t>
-            </a:r>
-            <a:r>
-              <a:rPr dirty="0"/>
-              <a:t>?</a:t>
+              <a:rPr lang="cs-CZ" dirty="0"/>
+              <a:t>Dochází častěji ke zločinu při silném větru?</a:t>
             </a:r>
           </a:p>
           <a:p>
@@ -3781,44 +3701,8 @@
               <a:buAutoNum type="arabicPeriod"/>
             </a:pPr>
             <a:r>
-              <a:rPr dirty="0" err="1"/>
-              <a:t>Jsou</a:t>
-            </a:r>
-            <a:r>
-              <a:rPr dirty="0"/>
-              <a:t> </a:t>
-            </a:r>
-            <a:r>
-              <a:rPr dirty="0" err="1"/>
-              <a:t>některé</a:t>
-            </a:r>
-            <a:r>
-              <a:rPr dirty="0"/>
-              <a:t> </a:t>
-            </a:r>
-            <a:r>
-              <a:rPr dirty="0" err="1"/>
-              <a:t>dny</a:t>
-            </a:r>
-            <a:r>
-              <a:rPr dirty="0"/>
-              <a:t> v </a:t>
-            </a:r>
-            <a:r>
-              <a:rPr dirty="0" err="1"/>
-              <a:t>týdnu</a:t>
-            </a:r>
-            <a:r>
-              <a:rPr dirty="0"/>
-              <a:t> </a:t>
-            </a:r>
-            <a:r>
-              <a:rPr dirty="0" err="1"/>
-              <a:t>rizikovější</a:t>
-            </a:r>
-            <a:r>
-              <a:rPr dirty="0"/>
-              <a:t>?</a:t>
+              <a:rPr lang="cs-CZ" dirty="0"/>
+              <a:t>Ve které části dne je nejčastější výskyt střelby?</a:t>
             </a:r>
           </a:p>
           <a:p>
@@ -3827,44 +3711,8 @@
               <a:buAutoNum type="arabicPeriod"/>
             </a:pPr>
             <a:r>
-              <a:rPr dirty="0" err="1"/>
-              <a:t>Má</a:t>
-            </a:r>
-            <a:r>
-              <a:rPr dirty="0"/>
-              <a:t> </a:t>
-            </a:r>
-            <a:r>
-              <a:rPr dirty="0" err="1"/>
-              <a:t>vítr</a:t>
-            </a:r>
-            <a:r>
-              <a:rPr dirty="0"/>
-              <a:t> </a:t>
-            </a:r>
-            <a:r>
-              <a:rPr dirty="0" err="1"/>
-              <a:t>vliv</a:t>
-            </a:r>
-            <a:r>
-              <a:rPr dirty="0"/>
-              <a:t> </a:t>
-            </a:r>
-            <a:r>
-              <a:rPr dirty="0" err="1"/>
-              <a:t>na</a:t>
-            </a:r>
-            <a:r>
-              <a:rPr dirty="0"/>
-              <a:t> </a:t>
-            </a:r>
-            <a:r>
-              <a:rPr dirty="0" err="1"/>
-              <a:t>vandalismus</a:t>
-            </a:r>
-            <a:r>
-              <a:rPr dirty="0"/>
-              <a:t>?</a:t>
+              <a:rPr lang="cs-CZ" dirty="0"/>
+              <a:t>V které dny v týdnu dochází k nejvíce trestným činům?</a:t>
             </a:r>
           </a:p>
           <a:p>
@@ -3873,44 +3721,8 @@
               <a:buAutoNum type="arabicPeriod"/>
             </a:pPr>
             <a:r>
-              <a:rPr dirty="0" err="1"/>
-              <a:t>Dochází</a:t>
-            </a:r>
-            <a:r>
-              <a:rPr dirty="0"/>
-              <a:t> </a:t>
-            </a:r>
-            <a:r>
-              <a:rPr dirty="0" err="1"/>
-              <a:t>ke</a:t>
-            </a:r>
-            <a:r>
-              <a:rPr dirty="0"/>
-              <a:t> </a:t>
-            </a:r>
-            <a:r>
-              <a:rPr dirty="0" err="1"/>
-              <a:t>střelbě</a:t>
-            </a:r>
-            <a:r>
-              <a:rPr dirty="0"/>
-              <a:t> </a:t>
-            </a:r>
-            <a:r>
-              <a:rPr dirty="0" err="1"/>
-              <a:t>častěji</a:t>
-            </a:r>
-            <a:r>
-              <a:rPr dirty="0"/>
-              <a:t> v </a:t>
-            </a:r>
-            <a:r>
-              <a:rPr dirty="0" err="1"/>
-              <a:t>noci</a:t>
-            </a:r>
-            <a:r>
-              <a:rPr dirty="0"/>
-              <a:t>?</a:t>
+              <a:rPr lang="cs-CZ" dirty="0"/>
+              <a:t>Jaká je kombinace tlaku a větru při vandalismu?</a:t>
             </a:r>
           </a:p>
           <a:p>
@@ -3919,52 +3731,8 @@
               <a:buAutoNum type="arabicPeriod"/>
             </a:pPr>
             <a:r>
-              <a:rPr dirty="0" err="1"/>
-              <a:t>Jsou</a:t>
-            </a:r>
-            <a:r>
-              <a:rPr dirty="0"/>
-              <a:t> </a:t>
-            </a:r>
-            <a:r>
-              <a:rPr dirty="0" err="1"/>
-              <a:t>některé</a:t>
-            </a:r>
-            <a:r>
-              <a:rPr dirty="0"/>
-              <a:t> </a:t>
-            </a:r>
-            <a:r>
-              <a:rPr dirty="0" err="1"/>
-              <a:t>okresy</a:t>
-            </a:r>
-            <a:r>
-              <a:rPr dirty="0"/>
-              <a:t> </a:t>
-            </a:r>
-            <a:r>
-              <a:rPr dirty="0" err="1"/>
-              <a:t>rizikovější</a:t>
-            </a:r>
-            <a:r>
-              <a:rPr dirty="0"/>
-              <a:t> za </a:t>
-            </a:r>
-            <a:r>
-              <a:rPr dirty="0" err="1"/>
-              <a:t>špatného</a:t>
-            </a:r>
-            <a:r>
-              <a:rPr dirty="0"/>
-              <a:t> </a:t>
-            </a:r>
-            <a:r>
-              <a:rPr dirty="0" err="1"/>
-              <a:t>počasí</a:t>
-            </a:r>
-            <a:r>
-              <a:rPr dirty="0"/>
-              <a:t>?</a:t>
+              <a:rPr lang="cs-CZ" dirty="0"/>
+              <a:t>Předpověď typu trestného činu podle počasí</a:t>
             </a:r>
           </a:p>
           <a:p>
@@ -3973,44 +3741,16 @@
               <a:buAutoNum type="arabicPeriod"/>
             </a:pPr>
             <a:r>
-              <a:rPr dirty="0" err="1"/>
-              <a:t>Liší</a:t>
-            </a:r>
-            <a:r>
-              <a:rPr dirty="0"/>
-              <a:t> se </a:t>
-            </a:r>
-            <a:r>
-              <a:rPr dirty="0" err="1"/>
-              <a:t>zločinnost</a:t>
-            </a:r>
-            <a:r>
-              <a:rPr dirty="0"/>
-              <a:t> </a:t>
-            </a:r>
-            <a:r>
-              <a:rPr dirty="0" err="1"/>
-              <a:t>při</a:t>
-            </a:r>
-            <a:r>
-              <a:rPr dirty="0"/>
-              <a:t> </a:t>
-            </a:r>
-            <a:r>
-              <a:rPr dirty="0" err="1"/>
-              <a:t>extrémním</a:t>
-            </a:r>
-            <a:r>
-              <a:rPr dirty="0"/>
-              <a:t> </a:t>
-            </a:r>
-            <a:r>
-              <a:rPr dirty="0" err="1"/>
-              <a:t>tlaku</a:t>
-            </a:r>
-            <a:r>
-              <a:rPr dirty="0"/>
-              <a:t>?</a:t>
+              <a:rPr lang="cs-CZ" dirty="0"/>
+              <a:t>Jaké počasí nejvíce koreluje s podvody (</a:t>
+            </a:r>
+            <a:r>
+              <a:rPr lang="cs-CZ" dirty="0" err="1"/>
+              <a:t>Fraud</a:t>
+            </a:r>
+            <a:r>
+              <a:rPr lang="cs-CZ" dirty="0"/>
+              <a:t>)?</a:t>
             </a:r>
           </a:p>
           <a:p>
@@ -4019,44 +3759,8 @@
               <a:buAutoNum type="arabicPeriod"/>
             </a:pPr>
             <a:r>
-              <a:rPr dirty="0" err="1"/>
-              <a:t>Ovlivňuje</a:t>
-            </a:r>
-            <a:r>
-              <a:rPr dirty="0"/>
-              <a:t> </a:t>
-            </a:r>
-            <a:r>
-              <a:rPr dirty="0" err="1"/>
-              <a:t>chladné</a:t>
-            </a:r>
-            <a:r>
-              <a:rPr dirty="0"/>
-              <a:t> </a:t>
-            </a:r>
-            <a:r>
-              <a:rPr dirty="0" err="1"/>
-              <a:t>počasí</a:t>
-            </a:r>
-            <a:r>
-              <a:rPr dirty="0"/>
-              <a:t> </a:t>
-            </a:r>
-            <a:r>
-              <a:rPr dirty="0" err="1"/>
-              <a:t>počet</a:t>
-            </a:r>
-            <a:r>
-              <a:rPr dirty="0"/>
-              <a:t> </a:t>
-            </a:r>
-            <a:r>
-              <a:rPr dirty="0" err="1"/>
-              <a:t>incidentů</a:t>
-            </a:r>
-            <a:r>
-              <a:rPr dirty="0"/>
-              <a:t>?</a:t>
+              <a:rPr lang="cs-CZ" dirty="0"/>
+              <a:t>Sekvence střelby v čase při podobném počasí</a:t>
             </a:r>
           </a:p>
           <a:p>
@@ -4065,224 +3769,10 @@
               <a:buAutoNum type="arabicPeriod"/>
             </a:pPr>
             <a:r>
-              <a:rPr dirty="0" err="1"/>
-              <a:t>Vyskytují</a:t>
-            </a:r>
-            <a:r>
-              <a:rPr dirty="0"/>
-              <a:t> se </a:t>
-            </a:r>
-            <a:r>
-              <a:rPr dirty="0" err="1"/>
-              <a:t>výjimečné</a:t>
-            </a:r>
-            <a:r>
-              <a:rPr dirty="0"/>
-              <a:t> </a:t>
-            </a:r>
-            <a:r>
-              <a:rPr dirty="0" err="1"/>
-              <a:t>kombinace</a:t>
-            </a:r>
-            <a:r>
-              <a:rPr dirty="0"/>
-              <a:t> </a:t>
-            </a:r>
-            <a:r>
-              <a:rPr dirty="0" err="1"/>
-              <a:t>podmínek</a:t>
-            </a:r>
-            <a:r>
-              <a:rPr dirty="0"/>
-              <a:t> a </a:t>
-            </a:r>
-            <a:r>
-              <a:rPr dirty="0" err="1"/>
-              <a:t>střelby</a:t>
-            </a:r>
-            <a:r>
-              <a:rPr dirty="0"/>
-              <a:t>?</a:t>
-            </a:r>
-          </a:p>
-        </p:txBody>
-      </p:sp>
-    </p:spTree>
-  </p:cSld>
-  <p:clrMapOvr>
-    <a:masterClrMapping/>
-  </p:clrMapOvr>
-</p:sld>
-</file>
-
-<file path=ppt/slides/slide13.xml><?xml version="1.0" encoding="utf-8"?>
-<p:sld xmlns:a="http://schemas.openxmlformats.org/drawingml/2006/main" xmlns:r="http://schemas.openxmlformats.org/officeDocument/2006/relationships" xmlns:p="http://schemas.openxmlformats.org/presentationml/2006/main">
-  <p:cSld>
-    <p:spTree>
-      <p:nvGrpSpPr>
-        <p:cNvPr id="1" name=""/>
-        <p:cNvGrpSpPr/>
-        <p:nvPr/>
-      </p:nvGrpSpPr>
-      <p:grpSpPr>
-        <a:xfrm>
-          <a:off x="0" y="0"/>
-          <a:ext cx="0" cy="0"/>
-          <a:chOff x="0" y="0"/>
-          <a:chExt cx="0" cy="0"/>
-        </a:xfrm>
-      </p:grpSpPr>
-      <p:sp>
-        <p:nvSpPr>
-          <p:cNvPr id="2" name="Title 1"/>
-          <p:cNvSpPr>
-            <a:spLocks noGrp="1"/>
-          </p:cNvSpPr>
-          <p:nvPr>
-            <p:ph type="title"/>
-          </p:nvPr>
-        </p:nvSpPr>
-        <p:spPr/>
-        <p:txBody>
-          <a:bodyPr/>
-          <a:lstStyle/>
-          <a:p>
-            <a:r>
-              <a:t>Dvě otázky pro CleverMiner</a:t>
-            </a:r>
-          </a:p>
-        </p:txBody>
-      </p:sp>
-      <p:sp>
-        <p:nvSpPr>
-          <p:cNvPr id="3" name="Content Placeholder 2"/>
-          <p:cNvSpPr>
-            <a:spLocks noGrp="1"/>
-          </p:cNvSpPr>
-          <p:nvPr>
-            <p:ph idx="1"/>
-          </p:nvPr>
-        </p:nvSpPr>
-        <p:spPr/>
-        <p:txBody>
-          <a:bodyPr>
-            <a:normAutofit lnSpcReduction="10000"/>
-          </a:bodyPr>
-          <a:lstStyle/>
-          <a:p>
-            <a:r>
-              <a:t>Otázka 1: Dochází častěji ke střelbě ve dnech s vyšší teplotou?</a:t>
-            </a:r>
-          </a:p>
-          <a:p>
-            <a:r>
-              <a:t>- TEMP_CAT vs. SHOOTING_FLAG</a:t>
-            </a:r>
-          </a:p>
-          <a:p>
-            <a:r>
-              <a:t>- Úloha: 4ft-Miner (PIM)</a:t>
-            </a:r>
-          </a:p>
-          <a:p>
-            <a:endParaRPr/>
-          </a:p>
-          <a:p>
-            <a:r>
-              <a:t>Otázka 2: Jak srážky ovlivňují typy kriminality?</a:t>
-            </a:r>
-          </a:p>
-          <a:p>
-            <a:r>
-              <a:t>- PRCP_CAT vs. OFFENSE_CODE_GROUP</a:t>
-            </a:r>
-          </a:p>
-          <a:p>
-            <a:r>
-              <a:t>- Úloha: SD4ft-Miner (podskupiny)</a:t>
-            </a:r>
-          </a:p>
-        </p:txBody>
-      </p:sp>
-    </p:spTree>
-  </p:cSld>
-  <p:clrMapOvr>
-    <a:masterClrMapping/>
-  </p:clrMapOvr>
-</p:sld>
-</file>
-
-<file path=ppt/slides/slide14.xml><?xml version="1.0" encoding="utf-8"?>
-<p:sld xmlns:a="http://schemas.openxmlformats.org/drawingml/2006/main" xmlns:r="http://schemas.openxmlformats.org/officeDocument/2006/relationships" xmlns:p="http://schemas.openxmlformats.org/presentationml/2006/main">
-  <p:cSld>
-    <p:spTree>
-      <p:nvGrpSpPr>
-        <p:cNvPr id="1" name=""/>
-        <p:cNvGrpSpPr/>
-        <p:nvPr/>
-      </p:nvGrpSpPr>
-      <p:grpSpPr>
-        <a:xfrm>
-          <a:off x="0" y="0"/>
-          <a:ext cx="0" cy="0"/>
-          <a:chOff x="0" y="0"/>
-          <a:chExt cx="0" cy="0"/>
-        </a:xfrm>
-      </p:grpSpPr>
-      <p:sp>
-        <p:nvSpPr>
-          <p:cNvPr id="2" name="Title 1"/>
-          <p:cNvSpPr>
-            <a:spLocks noGrp="1"/>
-          </p:cNvSpPr>
-          <p:nvPr>
-            <p:ph type="title"/>
-          </p:nvPr>
-        </p:nvSpPr>
-        <p:spPr/>
-        <p:txBody>
-          <a:bodyPr/>
-          <a:lstStyle/>
-          <a:p>
-            <a:r>
-              <a:t>Shrnutí a další kroky</a:t>
-            </a:r>
-          </a:p>
-        </p:txBody>
-      </p:sp>
-      <p:sp>
-        <p:nvSpPr>
-          <p:cNvPr id="3" name="Content Placeholder 2"/>
-          <p:cNvSpPr>
-            <a:spLocks noGrp="1"/>
-          </p:cNvSpPr>
-          <p:nvPr>
-            <p:ph idx="1"/>
-          </p:nvPr>
-        </p:nvSpPr>
-        <p:spPr/>
-        <p:txBody>
-          <a:bodyPr/>
-          <a:lstStyle/>
-          <a:p>
-            <a:r>
-              <a:t>- Data připravena pro analýzu v CleverMineru</a:t>
-            </a:r>
-          </a:p>
-          <a:p>
-            <a:r>
-              <a:t>- Vytvořeny nové kategoriální atributy</a:t>
-            </a:r>
-          </a:p>
-          <a:p>
-            <a:r>
-              <a:t>- Navrženy první testovací hypotézy</a:t>
-            </a:r>
-          </a:p>
-          <a:p>
-            <a:r>
-              <a:t>- Dalším krokem je formulace úloh a těžba pravidel</a:t>
-            </a:r>
+              <a:rPr lang="cs-CZ" dirty="0"/>
+              <a:t>Jaké kombinace počasí jsou nejčastější v dnech bez kriminality?</a:t>
+            </a:r>
+            <a:endParaRPr dirty="0"/>
           </a:p>
         </p:txBody>
       </p:sp>
